--- a/PPT/4th_class_Intensity_Transformation_and_Spatial_Filtering2020.9.22.pptx
+++ b/PPT/4th_class_Intensity_Transformation_and_Spatial_Filtering2020.9.22.pptx
@@ -43,10 +43,7 @@
     <p:sldId id="308" r:id="rId38"/>
     <p:sldId id="289" r:id="rId39"/>
     <p:sldId id="309" r:id="rId40"/>
-    <p:sldId id="292" r:id="rId41"/>
-    <p:sldId id="291" r:id="rId42"/>
-    <p:sldId id="290" r:id="rId43"/>
-    <p:sldId id="293" r:id="rId44"/>
+    <p:sldId id="293" r:id="rId41"/>
   </p:sldIdLst>
   <p:sldSz cx="12192000" cy="6858000"/>
   <p:notesSz cx="7103745" cy="10234295"/>
@@ -6141,215 +6138,32 @@
         <p:txBody>
           <a:bodyPr/>
           <a:p>
+            <a:endParaRPr lang="zh-CN" altLang="en-US"/>
+          </a:p>
+        </p:txBody>
+      </p:sp>
+      <p:sp>
+        <p:nvSpPr>
+          <p:cNvPr id="3" name="内容占位符 2"/>
+          <p:cNvSpPr>
+            <a:spLocks noGrp="1"/>
+          </p:cNvSpPr>
+          <p:nvPr>
+            <p:ph idx="1"/>
+          </p:nvPr>
+        </p:nvSpPr>
+        <p:spPr/>
+        <p:txBody>
+          <a:bodyPr/>
+          <a:p>
             <a:r>
               <a:rPr lang="en-US" altLang="zh-CN"/>
-              <a:t>kernel operations</a:t>
-            </a:r>
-            <a:endParaRPr lang="en-US" altLang="zh-CN"/>
-          </a:p>
-        </p:txBody>
-      </p:sp>
-      <p:pic>
-        <p:nvPicPr>
-          <p:cNvPr id="4" name="内容占位符 3"/>
-          <p:cNvPicPr>
-            <a:picLocks noChangeAspect="1"/>
-          </p:cNvPicPr>
-          <p:nvPr>
-            <p:ph idx="1"/>
-          </p:nvPr>
-        </p:nvPicPr>
-        <p:blipFill>
-          <a:blip r:embed="rId1"/>
-          <a:stretch>
-            <a:fillRect/>
-          </a:stretch>
-        </p:blipFill>
-        <p:spPr>
-          <a:xfrm>
-            <a:off x="381000" y="1450975"/>
-            <a:ext cx="6395085" cy="4668520"/>
-          </a:xfrm>
-          <a:prstGeom prst="rect">
-            <a:avLst/>
-          </a:prstGeom>
-        </p:spPr>
-      </p:pic>
-      <p:graphicFrame>
-        <p:nvGraphicFramePr>
-          <p:cNvPr id="5" name="表格 4"/>
-          <p:cNvGraphicFramePr/>
-          <p:nvPr/>
-        </p:nvGraphicFramePr>
-        <p:xfrm>
-          <a:off x="7700645" y="2796540"/>
-          <a:ext cx="1482090" cy="1264920"/>
-        </p:xfrm>
-        <a:graphic>
-          <a:graphicData uri="http://schemas.openxmlformats.org/drawingml/2006/table">
-            <a:tbl>
-              <a:tblPr firstRow="1" bandRow="1">
-                <a:tableStyleId>{5C22544A-7EE6-4342-B048-85BDC9FD1C3A}</a:tableStyleId>
-              </a:tblPr>
-              <a:tblGrid>
-                <a:gridCol w="494030"/>
-                <a:gridCol w="494030"/>
-                <a:gridCol w="494030"/>
-              </a:tblGrid>
-              <a:tr h="390525">
-                <a:tc>
-                  <a:txBody>
-                    <a:bodyPr/>
-                    <a:p>
-                      <a:pPr>
-                        <a:buNone/>
-                      </a:pPr>
-                      <a:r>
-                        <a:rPr lang="en-US" altLang="zh-CN"/>
-                        <a:t>1</a:t>
-                      </a:r>
-                      <a:endParaRPr lang="en-US" altLang="zh-CN"/>
-                    </a:p>
-                  </a:txBody>
-                  <a:tcPr/>
-                </a:tc>
-                <a:tc>
-                  <a:txBody>
-                    <a:bodyPr/>
-                    <a:p>
-                      <a:pPr>
-                        <a:buNone/>
-                      </a:pPr>
-                      <a:r>
-                        <a:rPr lang="en-US" altLang="zh-CN"/>
-                        <a:t>0</a:t>
-                      </a:r>
-                      <a:endParaRPr lang="en-US" altLang="zh-CN"/>
-                    </a:p>
-                  </a:txBody>
-                  <a:tcPr/>
-                </a:tc>
-                <a:tc>
-                  <a:txBody>
-                    <a:bodyPr/>
-                    <a:p>
-                      <a:pPr>
-                        <a:buNone/>
-                      </a:pPr>
-                      <a:r>
-                        <a:rPr lang="en-US" altLang="zh-CN"/>
-                        <a:t>1</a:t>
-                      </a:r>
-                      <a:endParaRPr lang="en-US" altLang="zh-CN"/>
-                    </a:p>
-                  </a:txBody>
-                  <a:tcPr/>
-                </a:tc>
-              </a:tr>
-              <a:tr h="390525">
-                <a:tc>
-                  <a:txBody>
-                    <a:bodyPr/>
-                    <a:p>
-                      <a:pPr>
-                        <a:buNone/>
-                      </a:pPr>
-                      <a:r>
-                        <a:rPr lang="en-US" altLang="zh-CN"/>
-                        <a:t>0</a:t>
-                      </a:r>
-                      <a:endParaRPr lang="en-US" altLang="zh-CN"/>
-                    </a:p>
-                  </a:txBody>
-                  <a:tcPr/>
-                </a:tc>
-                <a:tc>
-                  <a:txBody>
-                    <a:bodyPr/>
-                    <a:p>
-                      <a:pPr>
-                        <a:buNone/>
-                      </a:pPr>
-                      <a:r>
-                        <a:rPr lang="en-US" altLang="zh-CN"/>
-                        <a:t>1</a:t>
-                      </a:r>
-                      <a:endParaRPr lang="en-US" altLang="zh-CN"/>
-                    </a:p>
-                  </a:txBody>
-                  <a:tcPr/>
-                </a:tc>
-                <a:tc>
-                  <a:txBody>
-                    <a:bodyPr/>
-                    <a:p>
-                      <a:pPr>
-                        <a:buNone/>
-                      </a:pPr>
-                      <a:r>
-                        <a:rPr lang="en-US" altLang="zh-CN"/>
-                        <a:t>0</a:t>
-                      </a:r>
-                      <a:endParaRPr lang="en-US" altLang="zh-CN"/>
-                    </a:p>
-                  </a:txBody>
-                  <a:tcPr/>
-                </a:tc>
-              </a:tr>
-              <a:tr h="483870">
-                <a:tc>
-                  <a:txBody>
-                    <a:bodyPr/>
-                    <a:p>
-                      <a:pPr>
-                        <a:buNone/>
-                      </a:pPr>
-                      <a:r>
-                        <a:rPr lang="en-US" altLang="zh-CN"/>
-                        <a:t>1</a:t>
-                      </a:r>
-                      <a:endParaRPr lang="en-US" altLang="zh-CN"/>
-                    </a:p>
-                  </a:txBody>
-                  <a:tcPr/>
-                </a:tc>
-                <a:tc>
-                  <a:txBody>
-                    <a:bodyPr/>
-                    <a:p>
-                      <a:pPr>
-                        <a:buNone/>
-                      </a:pPr>
-                      <a:r>
-                        <a:rPr lang="en-US" altLang="zh-CN"/>
-                        <a:t>0</a:t>
-                      </a:r>
-                      <a:endParaRPr lang="en-US" altLang="zh-CN"/>
-                    </a:p>
-                  </a:txBody>
-                  <a:tcPr/>
-                </a:tc>
-                <a:tc>
-                  <a:txBody>
-                    <a:bodyPr/>
-                    <a:p>
-                      <a:pPr>
-                        <a:buNone/>
-                      </a:pPr>
-                      <a:r>
-                        <a:rPr lang="en-US" altLang="zh-CN"/>
-                        <a:t>1</a:t>
-                      </a:r>
-                      <a:endParaRPr lang="en-US" altLang="zh-CN"/>
-                    </a:p>
-                  </a:txBody>
-                  <a:tcPr/>
-                </a:tc>
-              </a:tr>
-            </a:tbl>
-          </a:graphicData>
-        </a:graphic>
-      </p:graphicFrame>
+              <a:t>Thank you </a:t>
+            </a:r>
+            <a:endParaRPr lang="en-US" altLang="zh-CN"/>
+          </a:p>
+        </p:txBody>
+      </p:sp>
     </p:spTree>
   </p:cSld>
   <p:clrMapOvr>
@@ -6416,522 +6230,6 @@
           </a:prstGeom>
         </p:spPr>
       </p:pic>
-    </p:spTree>
-  </p:cSld>
-  <p:clrMapOvr>
-    <a:masterClrMapping/>
-  </p:clrMapOvr>
-</p:sld>
-</file>
-
-<file path=ppt/slides/slide40.xml><?xml version="1.0" encoding="utf-8"?>
-<p:sld xmlns:a="http://schemas.openxmlformats.org/drawingml/2006/main" xmlns:r="http://schemas.openxmlformats.org/officeDocument/2006/relationships" xmlns:p="http://schemas.openxmlformats.org/presentationml/2006/main">
-  <p:cSld>
-    <p:spTree>
-      <p:nvGrpSpPr>
-        <p:cNvPr id="1" name=""/>
-        <p:cNvGrpSpPr/>
-        <p:nvPr/>
-      </p:nvGrpSpPr>
-      <p:grpSpPr/>
-      <p:sp>
-        <p:nvSpPr>
-          <p:cNvPr id="2" name="标题 1"/>
-          <p:cNvSpPr>
-            <a:spLocks noGrp="1"/>
-          </p:cNvSpPr>
-          <p:nvPr>
-            <p:ph type="title"/>
-          </p:nvPr>
-        </p:nvSpPr>
-        <p:spPr/>
-        <p:txBody>
-          <a:bodyPr/>
-          <a:p>
-            <a:r>
-              <a:rPr lang="en-US" altLang="zh-CN"/>
-              <a:t>Some common kernels</a:t>
-            </a:r>
-            <a:endParaRPr lang="en-US" altLang="zh-CN"/>
-          </a:p>
-        </p:txBody>
-      </p:sp>
-      <p:sp>
-        <p:nvSpPr>
-          <p:cNvPr id="3" name="内容占位符 2"/>
-          <p:cNvSpPr>
-            <a:spLocks noGrp="1"/>
-          </p:cNvSpPr>
-          <p:nvPr>
-            <p:ph idx="1"/>
-          </p:nvPr>
-        </p:nvSpPr>
-        <p:spPr>
-          <a:xfrm>
-            <a:off x="838200" y="1825625"/>
-            <a:ext cx="2275205" cy="4351655"/>
-          </a:xfrm>
-        </p:spPr>
-        <p:txBody>
-          <a:bodyPr/>
-          <a:p>
-            <a:r>
-              <a:rPr lang="en-US" altLang="zh-CN"/>
-              <a:t>blur kernel</a:t>
-            </a:r>
-            <a:endParaRPr lang="en-US" altLang="zh-CN"/>
-          </a:p>
-          <a:p>
-            <a:endParaRPr lang="en-US" altLang="zh-CN"/>
-          </a:p>
-          <a:p>
-            <a:endParaRPr lang="en-US" altLang="zh-CN"/>
-          </a:p>
-          <a:p>
-            <a:endParaRPr lang="en-US" altLang="zh-CN"/>
-          </a:p>
-          <a:p>
-            <a:r>
-              <a:rPr lang="en-US" altLang="zh-CN"/>
-              <a:t>sobel kernel</a:t>
-            </a:r>
-            <a:endParaRPr lang="en-US" altLang="zh-CN"/>
-          </a:p>
-          <a:p>
-            <a:endParaRPr lang="en-US" altLang="zh-CN"/>
-          </a:p>
-        </p:txBody>
-      </p:sp>
-      <p:pic>
-        <p:nvPicPr>
-          <p:cNvPr id="4" name="图片 3"/>
-          <p:cNvPicPr>
-            <a:picLocks noChangeAspect="1"/>
-          </p:cNvPicPr>
-          <p:nvPr/>
-        </p:nvPicPr>
-        <p:blipFill>
-          <a:blip r:embed="rId1"/>
-          <a:stretch>
-            <a:fillRect/>
-          </a:stretch>
-        </p:blipFill>
-        <p:spPr>
-          <a:xfrm>
-            <a:off x="3143250" y="1577340"/>
-            <a:ext cx="2308860" cy="1203960"/>
-          </a:xfrm>
-          <a:prstGeom prst="rect">
-            <a:avLst/>
-          </a:prstGeom>
-        </p:spPr>
-      </p:pic>
-      <p:pic>
-        <p:nvPicPr>
-          <p:cNvPr id="5" name="图片 4"/>
-          <p:cNvPicPr>
-            <a:picLocks noChangeAspect="1"/>
-          </p:cNvPicPr>
-          <p:nvPr/>
-        </p:nvPicPr>
-        <p:blipFill>
-          <a:blip r:embed="rId2"/>
-          <a:stretch>
-            <a:fillRect/>
-          </a:stretch>
-        </p:blipFill>
-        <p:spPr>
-          <a:xfrm>
-            <a:off x="3112770" y="3591560"/>
-            <a:ext cx="2339340" cy="1219200"/>
-          </a:xfrm>
-          <a:prstGeom prst="rect">
-            <a:avLst/>
-          </a:prstGeom>
-        </p:spPr>
-      </p:pic>
-      <p:sp>
-        <p:nvSpPr>
-          <p:cNvPr id="6" name="文本框 5"/>
-          <p:cNvSpPr txBox="1"/>
-          <p:nvPr/>
-        </p:nvSpPr>
-        <p:spPr>
-          <a:xfrm>
-            <a:off x="6431280" y="1894840"/>
-            <a:ext cx="1527175" cy="368300"/>
-          </a:xfrm>
-          <a:prstGeom prst="rect">
-            <a:avLst/>
-          </a:prstGeom>
-          <a:noFill/>
-        </p:spPr>
-        <p:txBody>
-          <a:bodyPr wrap="none" rtlCol="0">
-            <a:spAutoFit/>
-          </a:bodyPr>
-          <a:p>
-            <a:pPr algn="l"/>
-            <a:r>
-              <a:rPr lang="zh-CN" altLang="en-US"/>
-              <a:t>emboss </a:t>
-            </a:r>
-            <a:r>
-              <a:rPr lang="en-US" altLang="zh-CN"/>
-              <a:t>kernel</a:t>
-            </a:r>
-            <a:endParaRPr lang="en-US" altLang="zh-CN"/>
-          </a:p>
-        </p:txBody>
-      </p:sp>
-      <p:pic>
-        <p:nvPicPr>
-          <p:cNvPr id="7" name="图片 6"/>
-          <p:cNvPicPr>
-            <a:picLocks noChangeAspect="1"/>
-          </p:cNvPicPr>
-          <p:nvPr/>
-        </p:nvPicPr>
-        <p:blipFill>
-          <a:blip r:embed="rId3"/>
-          <a:stretch>
-            <a:fillRect/>
-          </a:stretch>
-        </p:blipFill>
-        <p:spPr>
-          <a:xfrm>
-            <a:off x="8187690" y="1592580"/>
-            <a:ext cx="2278380" cy="1188720"/>
-          </a:xfrm>
-          <a:prstGeom prst="rect">
-            <a:avLst/>
-          </a:prstGeom>
-        </p:spPr>
-      </p:pic>
-      <p:sp>
-        <p:nvSpPr>
-          <p:cNvPr id="8" name="文本框 7"/>
-          <p:cNvSpPr txBox="1"/>
-          <p:nvPr/>
-        </p:nvSpPr>
-        <p:spPr>
-          <a:xfrm>
-            <a:off x="6421120" y="4017010"/>
-            <a:ext cx="1575435" cy="368300"/>
-          </a:xfrm>
-          <a:prstGeom prst="rect">
-            <a:avLst/>
-          </a:prstGeom>
-          <a:noFill/>
-        </p:spPr>
-        <p:txBody>
-          <a:bodyPr wrap="square" rtlCol="0" anchor="t">
-            <a:spAutoFit/>
-          </a:bodyPr>
-          <a:p>
-            <a:r>
-              <a:rPr lang="zh-CN" altLang="en-US"/>
-              <a:t>outline </a:t>
-            </a:r>
-            <a:r>
-              <a:rPr lang="en-US" altLang="zh-CN"/>
-              <a:t>kernel</a:t>
-            </a:r>
-            <a:endParaRPr lang="en-US" altLang="zh-CN"/>
-          </a:p>
-        </p:txBody>
-      </p:sp>
-      <p:pic>
-        <p:nvPicPr>
-          <p:cNvPr id="9" name="图片 8"/>
-          <p:cNvPicPr>
-            <a:picLocks noChangeAspect="1"/>
-          </p:cNvPicPr>
-          <p:nvPr/>
-        </p:nvPicPr>
-        <p:blipFill>
-          <a:blip r:embed="rId4"/>
-          <a:stretch>
-            <a:fillRect/>
-          </a:stretch>
-        </p:blipFill>
-        <p:spPr>
-          <a:xfrm>
-            <a:off x="8157210" y="3506470"/>
-            <a:ext cx="2339340" cy="1226820"/>
-          </a:xfrm>
-          <a:prstGeom prst="rect">
-            <a:avLst/>
-          </a:prstGeom>
-        </p:spPr>
-      </p:pic>
-    </p:spTree>
-  </p:cSld>
-  <p:clrMapOvr>
-    <a:masterClrMapping/>
-  </p:clrMapOvr>
-</p:sld>
-</file>
-
-<file path=ppt/slides/slide41.xml><?xml version="1.0" encoding="utf-8"?>
-<p:sld xmlns:a="http://schemas.openxmlformats.org/drawingml/2006/main" xmlns:r="http://schemas.openxmlformats.org/officeDocument/2006/relationships" xmlns:p="http://schemas.openxmlformats.org/presentationml/2006/main">
-  <p:cSld>
-    <p:spTree>
-      <p:nvGrpSpPr>
-        <p:cNvPr id="1" name=""/>
-        <p:cNvGrpSpPr/>
-        <p:nvPr/>
-      </p:nvGrpSpPr>
-      <p:grpSpPr/>
-      <p:sp>
-        <p:nvSpPr>
-          <p:cNvPr id="2" name="标题 1"/>
-          <p:cNvSpPr>
-            <a:spLocks noGrp="1"/>
-          </p:cNvSpPr>
-          <p:nvPr>
-            <p:ph type="title"/>
-          </p:nvPr>
-        </p:nvSpPr>
-        <p:spPr/>
-        <p:txBody>
-          <a:bodyPr/>
-          <a:p>
-            <a:r>
-              <a:rPr lang="zh-CN" altLang="en-US"/>
-              <a:t>sobel </a:t>
-            </a:r>
-            <a:r>
-              <a:rPr lang="en-US" altLang="zh-CN"/>
-              <a:t>kernel</a:t>
-            </a:r>
-            <a:endParaRPr lang="en-US" altLang="zh-CN"/>
-          </a:p>
-        </p:txBody>
-      </p:sp>
-      <p:sp>
-        <p:nvSpPr>
-          <p:cNvPr id="5" name="文本框 4"/>
-          <p:cNvSpPr txBox="1"/>
-          <p:nvPr/>
-        </p:nvSpPr>
-        <p:spPr>
-          <a:xfrm>
-            <a:off x="965200" y="2503170"/>
-            <a:ext cx="1595120" cy="368300"/>
-          </a:xfrm>
-          <a:prstGeom prst="rect">
-            <a:avLst/>
-          </a:prstGeom>
-          <a:noFill/>
-        </p:spPr>
-        <p:txBody>
-          <a:bodyPr wrap="square" rtlCol="0" anchor="t">
-            <a:spAutoFit/>
-          </a:bodyPr>
-          <a:p>
-            <a:r>
-              <a:rPr lang="zh-CN" altLang="en-US"/>
-              <a:t>sharpen </a:t>
-            </a:r>
-            <a:r>
-              <a:rPr lang="en-US" altLang="zh-CN"/>
-              <a:t>kernel</a:t>
-            </a:r>
-            <a:endParaRPr lang="en-US" altLang="zh-CN"/>
-          </a:p>
-        </p:txBody>
-      </p:sp>
-      <p:pic>
-        <p:nvPicPr>
-          <p:cNvPr id="7" name="内容占位符 6"/>
-          <p:cNvPicPr>
-            <a:picLocks noChangeAspect="1"/>
-          </p:cNvPicPr>
-          <p:nvPr>
-            <p:ph idx="1"/>
-          </p:nvPr>
-        </p:nvPicPr>
-        <p:blipFill>
-          <a:blip r:embed="rId1"/>
-          <a:stretch>
-            <a:fillRect/>
-          </a:stretch>
-        </p:blipFill>
-        <p:spPr>
-          <a:xfrm>
-            <a:off x="2560320" y="2089150"/>
-            <a:ext cx="2362200" cy="1196340"/>
-          </a:xfrm>
-          <a:prstGeom prst="rect">
-            <a:avLst/>
-          </a:prstGeom>
-        </p:spPr>
-      </p:pic>
-      <p:sp>
-        <p:nvSpPr>
-          <p:cNvPr id="8" name="文本框 7"/>
-          <p:cNvSpPr txBox="1"/>
-          <p:nvPr/>
-        </p:nvSpPr>
-        <p:spPr>
-          <a:xfrm>
-            <a:off x="5765800" y="2503170"/>
-            <a:ext cx="1899920" cy="368300"/>
-          </a:xfrm>
-          <a:prstGeom prst="rect">
-            <a:avLst/>
-          </a:prstGeom>
-          <a:noFill/>
-        </p:spPr>
-        <p:txBody>
-          <a:bodyPr wrap="square" rtlCol="0" anchor="t">
-            <a:spAutoFit/>
-          </a:bodyPr>
-          <a:p>
-            <a:r>
-              <a:rPr lang="zh-CN" altLang="en-US"/>
-              <a:t>laplacian operator</a:t>
-            </a:r>
-            <a:endParaRPr lang="zh-CN" altLang="en-US"/>
-          </a:p>
-        </p:txBody>
-      </p:sp>
-      <p:pic>
-        <p:nvPicPr>
-          <p:cNvPr id="9" name="图片 8"/>
-          <p:cNvPicPr>
-            <a:picLocks noChangeAspect="1"/>
-          </p:cNvPicPr>
-          <p:nvPr/>
-        </p:nvPicPr>
-        <p:blipFill>
-          <a:blip r:embed="rId2"/>
-          <a:stretch>
-            <a:fillRect/>
-          </a:stretch>
-        </p:blipFill>
-        <p:spPr>
-          <a:xfrm>
-            <a:off x="7929880" y="2001520"/>
-            <a:ext cx="2346960" cy="1371600"/>
-          </a:xfrm>
-          <a:prstGeom prst="rect">
-            <a:avLst/>
-          </a:prstGeom>
-        </p:spPr>
-      </p:pic>
-      <p:sp>
-        <p:nvSpPr>
-          <p:cNvPr id="10" name="文本框 9"/>
-          <p:cNvSpPr txBox="1"/>
-          <p:nvPr/>
-        </p:nvSpPr>
-        <p:spPr>
-          <a:xfrm>
-            <a:off x="1005840" y="4707890"/>
-            <a:ext cx="1016000" cy="368300"/>
-          </a:xfrm>
-          <a:prstGeom prst="rect">
-            <a:avLst/>
-          </a:prstGeom>
-          <a:noFill/>
-        </p:spPr>
-        <p:txBody>
-          <a:bodyPr wrap="square" rtlCol="0" anchor="t">
-            <a:spAutoFit/>
-          </a:bodyPr>
-          <a:p>
-            <a:r>
-              <a:rPr lang="zh-CN" altLang="en-US"/>
-              <a:t>identity</a:t>
-            </a:r>
-            <a:endParaRPr lang="zh-CN" altLang="en-US"/>
-          </a:p>
-        </p:txBody>
-      </p:sp>
-      <p:pic>
-        <p:nvPicPr>
-          <p:cNvPr id="11" name="图片 10"/>
-          <p:cNvPicPr>
-            <a:picLocks noChangeAspect="1"/>
-          </p:cNvPicPr>
-          <p:nvPr/>
-        </p:nvPicPr>
-        <p:blipFill>
-          <a:blip r:embed="rId3"/>
-          <a:stretch>
-            <a:fillRect/>
-          </a:stretch>
-        </p:blipFill>
-        <p:spPr>
-          <a:xfrm>
-            <a:off x="2561590" y="4302760"/>
-            <a:ext cx="2354580" cy="1341120"/>
-          </a:xfrm>
-          <a:prstGeom prst="rect">
-            <a:avLst/>
-          </a:prstGeom>
-        </p:spPr>
-      </p:pic>
-    </p:spTree>
-  </p:cSld>
-  <p:clrMapOvr>
-    <a:masterClrMapping/>
-  </p:clrMapOvr>
-</p:sld>
-</file>
-
-<file path=ppt/slides/slide42.xml><?xml version="1.0" encoding="utf-8"?>
-<p:sld xmlns:a="http://schemas.openxmlformats.org/drawingml/2006/main" xmlns:r="http://schemas.openxmlformats.org/officeDocument/2006/relationships" xmlns:p="http://schemas.openxmlformats.org/presentationml/2006/main">
-  <p:cSld>
-    <p:spTree>
-      <p:nvGrpSpPr>
-        <p:cNvPr id="1" name=""/>
-        <p:cNvGrpSpPr/>
-        <p:nvPr/>
-      </p:nvGrpSpPr>
-      <p:grpSpPr/>
-      <p:sp>
-        <p:nvSpPr>
-          <p:cNvPr id="2" name="标题 1"/>
-          <p:cNvSpPr>
-            <a:spLocks noGrp="1"/>
-          </p:cNvSpPr>
-          <p:nvPr>
-            <p:ph type="title"/>
-          </p:nvPr>
-        </p:nvSpPr>
-        <p:spPr/>
-        <p:txBody>
-          <a:bodyPr/>
-          <a:p>
-            <a:endParaRPr lang="zh-CN" altLang="en-US"/>
-          </a:p>
-        </p:txBody>
-      </p:sp>
-      <p:sp>
-        <p:nvSpPr>
-          <p:cNvPr id="3" name="内容占位符 2"/>
-          <p:cNvSpPr>
-            <a:spLocks noGrp="1"/>
-          </p:cNvSpPr>
-          <p:nvPr>
-            <p:ph idx="1"/>
-          </p:nvPr>
-        </p:nvSpPr>
-        <p:spPr/>
-        <p:txBody>
-          <a:bodyPr/>
-          <a:p>
-            <a:r>
-              <a:rPr lang="en-US" altLang="zh-CN"/>
-              <a:t>Thank you </a:t>
-            </a:r>
-            <a:endParaRPr lang="en-US" altLang="zh-CN"/>
-          </a:p>
-        </p:txBody>
-      </p:sp>
     </p:spTree>
   </p:cSld>
   <p:clrMapOvr>
